--- a/Создание сайта посвящённого мотивационным цитатам Практико-ориентированный проект по информатике.pptx
+++ b/Создание сайта посвящённого мотивационным цитатам Практико-ориентированный проект по информатике.pptx
@@ -273,7 +273,7 @@
           <a:p>
             <a:fld id="{48ED9F53-EBDA-4A37-89E1-B59164C73BDB}" type="datetimeFigureOut">
               <a:rPr lang="ru-RU" smtClean="0"/>
-              <a:t>17.02.2024</a:t>
+              <a:t>18.02.2024</a:t>
             </a:fld>
             <a:endParaRPr lang="ru-RU" dirty="0"/>
           </a:p>
@@ -343,6 +343,9 @@
   <p:clrMapOvr>
     <a:masterClrMapping/>
   </p:clrMapOvr>
+  <p:transition spd="slow">
+    <p:wipe/>
+  </p:transition>
 </p:sldLayout>
 </file>
 
@@ -471,7 +474,7 @@
           <a:p>
             <a:fld id="{48ED9F53-EBDA-4A37-89E1-B59164C73BDB}" type="datetimeFigureOut">
               <a:rPr lang="ru-RU" smtClean="0"/>
-              <a:t>17.02.2024</a:t>
+              <a:t>18.02.2024</a:t>
             </a:fld>
             <a:endParaRPr lang="ru-RU" dirty="0"/>
           </a:p>
@@ -541,6 +544,9 @@
   <p:clrMapOvr>
     <a:masterClrMapping/>
   </p:clrMapOvr>
+  <p:transition spd="slow">
+    <p:wipe/>
+  </p:transition>
 </p:sldLayout>
 </file>
 
@@ -679,7 +685,7 @@
           <a:p>
             <a:fld id="{48ED9F53-EBDA-4A37-89E1-B59164C73BDB}" type="datetimeFigureOut">
               <a:rPr lang="ru-RU" smtClean="0"/>
-              <a:t>17.02.2024</a:t>
+              <a:t>18.02.2024</a:t>
             </a:fld>
             <a:endParaRPr lang="ru-RU" dirty="0"/>
           </a:p>
@@ -749,6 +755,9 @@
   <p:clrMapOvr>
     <a:masterClrMapping/>
   </p:clrMapOvr>
+  <p:transition spd="slow">
+    <p:wipe/>
+  </p:transition>
 </p:sldLayout>
 </file>
 
@@ -877,7 +886,7 @@
           <a:p>
             <a:fld id="{48ED9F53-EBDA-4A37-89E1-B59164C73BDB}" type="datetimeFigureOut">
               <a:rPr lang="ru-RU" smtClean="0"/>
-              <a:t>17.02.2024</a:t>
+              <a:t>18.02.2024</a:t>
             </a:fld>
             <a:endParaRPr lang="ru-RU" dirty="0"/>
           </a:p>
@@ -947,6 +956,9 @@
   <p:clrMapOvr>
     <a:masterClrMapping/>
   </p:clrMapOvr>
+  <p:transition spd="slow">
+    <p:wipe/>
+  </p:transition>
 </p:sldLayout>
 </file>
 
@@ -1152,7 +1164,7 @@
           <a:p>
             <a:fld id="{48ED9F53-EBDA-4A37-89E1-B59164C73BDB}" type="datetimeFigureOut">
               <a:rPr lang="ru-RU" smtClean="0"/>
-              <a:t>17.02.2024</a:t>
+              <a:t>18.02.2024</a:t>
             </a:fld>
             <a:endParaRPr lang="ru-RU" dirty="0"/>
           </a:p>
@@ -1222,6 +1234,9 @@
   <p:clrMapOvr>
     <a:masterClrMapping/>
   </p:clrMapOvr>
+  <p:transition spd="slow">
+    <p:wipe/>
+  </p:transition>
 </p:sldLayout>
 </file>
 
@@ -1417,7 +1432,7 @@
           <a:p>
             <a:fld id="{48ED9F53-EBDA-4A37-89E1-B59164C73BDB}" type="datetimeFigureOut">
               <a:rPr lang="ru-RU" smtClean="0"/>
-              <a:t>17.02.2024</a:t>
+              <a:t>18.02.2024</a:t>
             </a:fld>
             <a:endParaRPr lang="ru-RU" dirty="0"/>
           </a:p>
@@ -1487,6 +1502,9 @@
   <p:clrMapOvr>
     <a:masterClrMapping/>
   </p:clrMapOvr>
+  <p:transition spd="slow">
+    <p:wipe/>
+  </p:transition>
 </p:sldLayout>
 </file>
 
@@ -1829,7 +1847,7 @@
           <a:p>
             <a:fld id="{48ED9F53-EBDA-4A37-89E1-B59164C73BDB}" type="datetimeFigureOut">
               <a:rPr lang="ru-RU" smtClean="0"/>
-              <a:t>17.02.2024</a:t>
+              <a:t>18.02.2024</a:t>
             </a:fld>
             <a:endParaRPr lang="ru-RU" dirty="0"/>
           </a:p>
@@ -1899,6 +1917,9 @@
   <p:clrMapOvr>
     <a:masterClrMapping/>
   </p:clrMapOvr>
+  <p:transition spd="slow">
+    <p:wipe/>
+  </p:transition>
 </p:sldLayout>
 </file>
 
@@ -1970,7 +1991,7 @@
           <a:p>
             <a:fld id="{48ED9F53-EBDA-4A37-89E1-B59164C73BDB}" type="datetimeFigureOut">
               <a:rPr lang="ru-RU" smtClean="0"/>
-              <a:t>17.02.2024</a:t>
+              <a:t>18.02.2024</a:t>
             </a:fld>
             <a:endParaRPr lang="ru-RU" dirty="0"/>
           </a:p>
@@ -2040,6 +2061,9 @@
   <p:clrMapOvr>
     <a:masterClrMapping/>
   </p:clrMapOvr>
+  <p:transition spd="slow">
+    <p:wipe/>
+  </p:transition>
 </p:sldLayout>
 </file>
 
@@ -2083,7 +2107,7 @@
           <a:p>
             <a:fld id="{48ED9F53-EBDA-4A37-89E1-B59164C73BDB}" type="datetimeFigureOut">
               <a:rPr lang="ru-RU" smtClean="0"/>
-              <a:t>17.02.2024</a:t>
+              <a:t>18.02.2024</a:t>
             </a:fld>
             <a:endParaRPr lang="ru-RU" dirty="0"/>
           </a:p>
@@ -2153,6 +2177,9 @@
   <p:clrMapOvr>
     <a:masterClrMapping/>
   </p:clrMapOvr>
+  <p:transition spd="slow">
+    <p:wipe/>
+  </p:transition>
 </p:sldLayout>
 </file>
 
@@ -2394,7 +2421,7 @@
           <a:p>
             <a:fld id="{48ED9F53-EBDA-4A37-89E1-B59164C73BDB}" type="datetimeFigureOut">
               <a:rPr lang="ru-RU" smtClean="0"/>
-              <a:t>17.02.2024</a:t>
+              <a:t>18.02.2024</a:t>
             </a:fld>
             <a:endParaRPr lang="ru-RU" dirty="0"/>
           </a:p>
@@ -2464,6 +2491,9 @@
   <p:clrMapOvr>
     <a:masterClrMapping/>
   </p:clrMapOvr>
+  <p:transition spd="slow">
+    <p:wipe/>
+  </p:transition>
 </p:sldLayout>
 </file>
 
@@ -2682,7 +2712,7 @@
           <a:p>
             <a:fld id="{48ED9F53-EBDA-4A37-89E1-B59164C73BDB}" type="datetimeFigureOut">
               <a:rPr lang="ru-RU" smtClean="0"/>
-              <a:t>17.02.2024</a:t>
+              <a:t>18.02.2024</a:t>
             </a:fld>
             <a:endParaRPr lang="ru-RU" dirty="0"/>
           </a:p>
@@ -2752,6 +2782,9 @@
   <p:clrMapOvr>
     <a:masterClrMapping/>
   </p:clrMapOvr>
+  <p:transition spd="slow">
+    <p:wipe/>
+  </p:transition>
 </p:sldLayout>
 </file>
 
@@ -2946,7 +2979,7 @@
           <a:p>
             <a:fld id="{48ED9F53-EBDA-4A37-89E1-B59164C73BDB}" type="datetimeFigureOut">
               <a:rPr lang="ru-RU" smtClean="0"/>
-              <a:t>17.02.2024</a:t>
+              <a:t>18.02.2024</a:t>
             </a:fld>
             <a:endParaRPr lang="ru-RU" dirty="0"/>
           </a:p>
@@ -3063,6 +3096,9 @@
     <p:sldLayoutId id="2147483658" r:id="rId10"/>
     <p:sldLayoutId id="2147483659" r:id="rId11"/>
   </p:sldLayoutIdLst>
+  <p:transition spd="slow">
+    <p:wipe/>
+  </p:transition>
   <p:txStyles>
     <p:titleStyle>
       <a:lvl1pPr algn="l" defTabSz="914400" rtl="0" eaLnBrk="1" latinLnBrk="0" hangingPunct="1">
@@ -3483,6 +3519,9 @@
   <p:clrMapOvr>
     <a:masterClrMapping/>
   </p:clrMapOvr>
+  <p:transition spd="slow">
+    <p:wipe/>
+  </p:transition>
 </p:sld>
 </file>
 
@@ -3752,6 +3791,9 @@
   <p:clrMapOvr>
     <a:masterClrMapping/>
   </p:clrMapOvr>
+  <p:transition spd="slow">
+    <p:wipe/>
+  </p:transition>
 </p:sld>
 </file>
 
@@ -4110,6 +4152,9 @@
   <p:clrMapOvr>
     <a:masterClrMapping/>
   </p:clrMapOvr>
+  <p:transition spd="slow">
+    <p:wipe/>
+  </p:transition>
 </p:sld>
 </file>
 
@@ -4314,6 +4359,9 @@
   <p:clrMapOvr>
     <a:masterClrMapping/>
   </p:clrMapOvr>
+  <p:transition spd="slow">
+    <p:wipe/>
+  </p:transition>
 </p:sld>
 </file>
 
@@ -4509,6 +4557,9 @@
   <p:clrMapOvr>
     <a:masterClrMapping/>
   </p:clrMapOvr>
+  <p:transition spd="slow">
+    <p:wipe/>
+  </p:transition>
 </p:sld>
 </file>
 
@@ -4594,6 +4645,9 @@
   <p:clrMapOvr>
     <a:masterClrMapping/>
   </p:clrMapOvr>
+  <p:transition spd="slow">
+    <p:wipe/>
+  </p:transition>
 </p:sld>
 </file>
 
@@ -4809,6 +4863,9 @@
   <p:clrMapOvr>
     <a:masterClrMapping/>
   </p:clrMapOvr>
+  <p:transition spd="slow">
+    <p:wipe/>
+  </p:transition>
 </p:sld>
 </file>
 
@@ -5014,6 +5071,9 @@
   <p:clrMapOvr>
     <a:masterClrMapping/>
   </p:clrMapOvr>
+  <p:transition spd="slow">
+    <p:wipe/>
+  </p:transition>
 </p:sld>
 </file>
 
@@ -5099,6 +5159,9 @@
   <p:clrMapOvr>
     <a:masterClrMapping/>
   </p:clrMapOvr>
+  <p:transition spd="slow">
+    <p:wipe/>
+  </p:transition>
 </p:sld>
 </file>
 
@@ -5451,6 +5514,9 @@
   <p:clrMapOvr>
     <a:masterClrMapping/>
   </p:clrMapOvr>
+  <p:transition spd="slow">
+    <p:wipe/>
+  </p:transition>
 </p:sld>
 </file>
 
@@ -5692,6 +5758,9 @@
   <p:clrMapOvr>
     <a:masterClrMapping/>
   </p:clrMapOvr>
+  <p:transition spd="slow">
+    <p:wipe/>
+  </p:transition>
 </p:sld>
 </file>
 
@@ -5777,6 +5846,9 @@
   <p:clrMapOvr>
     <a:masterClrMapping/>
   </p:clrMapOvr>
+  <p:transition spd="slow">
+    <p:wipe/>
+  </p:transition>
 </p:sld>
 </file>
 
@@ -5946,6 +6018,9 @@
   <p:clrMapOvr>
     <a:masterClrMapping/>
   </p:clrMapOvr>
+  <p:transition spd="slow">
+    <p:wipe/>
+  </p:transition>
 </p:sld>
 </file>
 
@@ -6081,6 +6156,9 @@
   <p:clrMapOvr>
     <a:masterClrMapping/>
   </p:clrMapOvr>
+  <p:transition spd="slow">
+    <p:wipe/>
+  </p:transition>
 </p:sld>
 </file>
 
@@ -6273,6 +6351,9 @@
   <p:clrMapOvr>
     <a:masterClrMapping/>
   </p:clrMapOvr>
+  <p:transition spd="slow">
+    <p:wipe/>
+  </p:transition>
 </p:sld>
 </file>
 
